--- a/Ants! Game Presentation.pptx
+++ b/Ants! Game Presentation.pptx
@@ -204,7 +204,7 @@
           <a:p>
             <a:fld id="{E8360A9B-8470-4061-9975-498595E30F22}" type="datetimeFigureOut">
               <a:rPr lang="en-US"/>
-              <a:t>7/31/2015</a:t>
+              <a:t>8/1/2015</a:t>
             </a:fld>
             <a:endParaRPr lang="en-US"/>
           </a:p>
@@ -1615,7 +1615,7 @@
           <a:p>
             <a:fld id="{F1FA7AC5-6045-4418-8E60-F48788734473}" type="datetimeFigureOut">
               <a:rPr lang="en-US" smtClean="0"/>
-              <a:t>7/31/2015</a:t>
+              <a:t>8/1/2015</a:t>
             </a:fld>
             <a:endParaRPr lang="en-US"/>
           </a:p>
@@ -1866,7 +1866,7 @@
           <a:p>
             <a:fld id="{F1FA7AC5-6045-4418-8E60-F48788734473}" type="datetimeFigureOut">
               <a:rPr lang="en-US" smtClean="0"/>
-              <a:t>7/31/2015</a:t>
+              <a:t>8/1/2015</a:t>
             </a:fld>
             <a:endParaRPr lang="en-US"/>
           </a:p>
@@ -2180,7 +2180,7 @@
           <a:p>
             <a:fld id="{F1FA7AC5-6045-4418-8E60-F48788734473}" type="datetimeFigureOut">
               <a:rPr lang="en-US" smtClean="0"/>
-              <a:t>7/31/2015</a:t>
+              <a:t>8/1/2015</a:t>
             </a:fld>
             <a:endParaRPr lang="en-US"/>
           </a:p>
@@ -2507,7 +2507,7 @@
           <a:p>
             <a:fld id="{F1FA7AC5-6045-4418-8E60-F48788734473}" type="datetimeFigureOut">
               <a:rPr lang="en-US" smtClean="0"/>
-              <a:t>7/31/2015</a:t>
+              <a:t>8/1/2015</a:t>
             </a:fld>
             <a:endParaRPr lang="en-US"/>
           </a:p>
@@ -2821,7 +2821,7 @@
           <a:p>
             <a:fld id="{F1FA7AC5-6045-4418-8E60-F48788734473}" type="datetimeFigureOut">
               <a:rPr lang="en-US" smtClean="0"/>
-              <a:t>7/31/2015</a:t>
+              <a:t>8/1/2015</a:t>
             </a:fld>
             <a:endParaRPr lang="en-US"/>
           </a:p>
@@ -3208,7 +3208,7 @@
           <a:p>
             <a:fld id="{F1FA7AC5-6045-4418-8E60-F48788734473}" type="datetimeFigureOut">
               <a:rPr lang="en-US" smtClean="0"/>
-              <a:t>7/31/2015</a:t>
+              <a:t>8/1/2015</a:t>
             </a:fld>
             <a:endParaRPr lang="en-US"/>
           </a:p>
@@ -3378,7 +3378,7 @@
           <a:p>
             <a:fld id="{F1FA7AC5-6045-4418-8E60-F48788734473}" type="datetimeFigureOut">
               <a:rPr lang="en-US" smtClean="0"/>
-              <a:t>7/31/2015</a:t>
+              <a:t>8/1/2015</a:t>
             </a:fld>
             <a:endParaRPr lang="en-US"/>
           </a:p>
@@ -3558,7 +3558,7 @@
           <a:p>
             <a:fld id="{F1FA7AC5-6045-4418-8E60-F48788734473}" type="datetimeFigureOut">
               <a:rPr lang="en-US" smtClean="0"/>
-              <a:t>7/31/2015</a:t>
+              <a:t>8/1/2015</a:t>
             </a:fld>
             <a:endParaRPr lang="en-US"/>
           </a:p>
@@ -3734,7 +3734,7 @@
           <a:p>
             <a:fld id="{F1FA7AC5-6045-4418-8E60-F48788734473}" type="datetimeFigureOut">
               <a:rPr lang="en-US" smtClean="0"/>
-              <a:t>7/31/2015</a:t>
+              <a:t>8/1/2015</a:t>
             </a:fld>
             <a:endParaRPr lang="en-US"/>
           </a:p>
@@ -3981,7 +3981,7 @@
           <a:p>
             <a:fld id="{F1FA7AC5-6045-4418-8E60-F48788734473}" type="datetimeFigureOut">
               <a:rPr lang="en-US" smtClean="0"/>
-              <a:t>7/31/2015</a:t>
+              <a:t>8/1/2015</a:t>
             </a:fld>
             <a:endParaRPr lang="en-US"/>
           </a:p>
@@ -4213,7 +4213,7 @@
           <a:p>
             <a:fld id="{F1FA7AC5-6045-4418-8E60-F48788734473}" type="datetimeFigureOut">
               <a:rPr lang="en-US" smtClean="0"/>
-              <a:t>7/31/2015</a:t>
+              <a:t>8/1/2015</a:t>
             </a:fld>
             <a:endParaRPr lang="en-US"/>
           </a:p>
@@ -4587,7 +4587,7 @@
           <a:p>
             <a:fld id="{F1FA7AC5-6045-4418-8E60-F48788734473}" type="datetimeFigureOut">
               <a:rPr lang="en-US" smtClean="0"/>
-              <a:t>7/31/2015</a:t>
+              <a:t>8/1/2015</a:t>
             </a:fld>
             <a:endParaRPr lang="en-US"/>
           </a:p>
@@ -4710,7 +4710,7 @@
           <a:p>
             <a:fld id="{F1FA7AC5-6045-4418-8E60-F48788734473}" type="datetimeFigureOut">
               <a:rPr lang="en-US" smtClean="0"/>
-              <a:t>7/31/2015</a:t>
+              <a:t>8/1/2015</a:t>
             </a:fld>
             <a:endParaRPr lang="en-US"/>
           </a:p>
@@ -4805,7 +4805,7 @@
           <a:p>
             <a:fld id="{F1FA7AC5-6045-4418-8E60-F48788734473}" type="datetimeFigureOut">
               <a:rPr lang="en-US" smtClean="0"/>
-              <a:t>7/31/2015</a:t>
+              <a:t>8/1/2015</a:t>
             </a:fld>
             <a:endParaRPr lang="en-US"/>
           </a:p>
@@ -5060,7 +5060,7 @@
           <a:p>
             <a:fld id="{F1FA7AC5-6045-4418-8E60-F48788734473}" type="datetimeFigureOut">
               <a:rPr lang="en-US" smtClean="0"/>
-              <a:t>7/31/2015</a:t>
+              <a:t>8/1/2015</a:t>
             </a:fld>
             <a:endParaRPr lang="en-US"/>
           </a:p>
@@ -5323,7 +5323,7 @@
           <a:p>
             <a:fld id="{F1FA7AC5-6045-4418-8E60-F48788734473}" type="datetimeFigureOut">
               <a:rPr lang="en-US" smtClean="0"/>
-              <a:t>7/31/2015</a:t>
+              <a:t>8/1/2015</a:t>
             </a:fld>
             <a:endParaRPr lang="en-US"/>
           </a:p>
@@ -6068,7 +6068,7 @@
           <a:p>
             <a:fld id="{F1FA7AC5-6045-4418-8E60-F48788734473}" type="datetimeFigureOut">
               <a:rPr lang="en-US" smtClean="0"/>
-              <a:t>7/31/2015</a:t>
+              <a:t>8/1/2015</a:t>
             </a:fld>
             <a:endParaRPr lang="en-US"/>
           </a:p>
@@ -7230,8 +7230,13 @@
           <a:p>
             <a:r>
               <a:rPr lang="en-US" dirty="0"/>
-              <a:t>Goal: Kill the Queen of either side and you win!</a:t>
-            </a:r>
+              <a:t>Goal: Kill the Queen of either side </a:t>
+            </a:r>
+            <a:r>
+              <a:rPr lang="en-US" dirty="0" smtClean="0"/>
+              <a:t>and you win!</a:t>
+            </a:r>
+            <a:endParaRPr lang="en-US" dirty="0"/>
           </a:p>
           <a:p>
             <a:endParaRPr lang="en-US" dirty="0"/>
@@ -7407,7 +7412,29 @@
                 <a:latin typeface="Times New Roman" panose="02020603050405020304" pitchFamily="18" charset="0"/>
                 <a:cs typeface="Times New Roman" panose="02020603050405020304" pitchFamily="18" charset="0"/>
               </a:rPr>
-              <a:t>crowd simulator</a:t>
+              <a:t>crowd </a:t>
+            </a:r>
+            <a:r>
+              <a:rPr lang="en-US" sz="2000" dirty="0" smtClean="0">
+                <a:solidFill>
+                  <a:schemeClr val="tx1"/>
+                </a:solidFill>
+                <a:latin typeface="Times New Roman" panose="02020603050405020304" pitchFamily="18" charset="0"/>
+                <a:cs typeface="Times New Roman" panose="02020603050405020304" pitchFamily="18" charset="0"/>
+              </a:rPr>
+              <a:t>simulator</a:t>
+            </a:r>
+          </a:p>
+          <a:p>
+            <a:r>
+              <a:rPr lang="en-US" sz="2000" smtClean="0">
+                <a:solidFill>
+                  <a:schemeClr val="tx1"/>
+                </a:solidFill>
+                <a:latin typeface="Times New Roman" panose="02020603050405020304" pitchFamily="18" charset="0"/>
+                <a:cs typeface="Times New Roman" panose="02020603050405020304" pitchFamily="18" charset="0"/>
+              </a:rPr>
+              <a:t>Possible endings</a:t>
             </a:r>
             <a:endParaRPr lang="en-US" sz="2000" dirty="0">
               <a:solidFill>

--- a/Ants! Game Presentation.pptx
+++ b/Ants! Game Presentation.pptx
@@ -5,7 +5,7 @@
     <p:sldMasterId id="2147483731" r:id="rId1"/>
   </p:sldMasterIdLst>
   <p:notesMasterIdLst>
-    <p:notesMasterId r:id="rId10"/>
+    <p:notesMasterId r:id="rId9"/>
   </p:notesMasterIdLst>
   <p:sldIdLst>
     <p:sldId id="256" r:id="rId2"/>
@@ -14,8 +14,7 @@
     <p:sldId id="260" r:id="rId5"/>
     <p:sldId id="259" r:id="rId6"/>
     <p:sldId id="262" r:id="rId7"/>
-    <p:sldId id="263" r:id="rId8"/>
-    <p:sldId id="261" r:id="rId9"/>
+    <p:sldId id="261" r:id="rId8"/>
   </p:sldIdLst>
   <p:sldSz cx="12192000" cy="6858000"/>
   <p:notesSz cx="6858000" cy="9144000"/>
@@ -204,7 +203,7 @@
           <a:p>
             <a:fld id="{E8360A9B-8470-4061-9975-498595E30F22}" type="datetimeFigureOut">
               <a:rPr lang="en-US"/>
-              <a:t>8/1/2015</a:t>
+              <a:t>8/4/2015</a:t>
             </a:fld>
             <a:endParaRPr lang="en-US"/>
           </a:p>
@@ -1615,7 +1614,7 @@
           <a:p>
             <a:fld id="{F1FA7AC5-6045-4418-8E60-F48788734473}" type="datetimeFigureOut">
               <a:rPr lang="en-US" smtClean="0"/>
-              <a:t>8/1/2015</a:t>
+              <a:t>8/4/2015</a:t>
             </a:fld>
             <a:endParaRPr lang="en-US"/>
           </a:p>
@@ -1866,7 +1865,7 @@
           <a:p>
             <a:fld id="{F1FA7AC5-6045-4418-8E60-F48788734473}" type="datetimeFigureOut">
               <a:rPr lang="en-US" smtClean="0"/>
-              <a:t>8/1/2015</a:t>
+              <a:t>8/4/2015</a:t>
             </a:fld>
             <a:endParaRPr lang="en-US"/>
           </a:p>
@@ -2180,7 +2179,7 @@
           <a:p>
             <a:fld id="{F1FA7AC5-6045-4418-8E60-F48788734473}" type="datetimeFigureOut">
               <a:rPr lang="en-US" smtClean="0"/>
-              <a:t>8/1/2015</a:t>
+              <a:t>8/4/2015</a:t>
             </a:fld>
             <a:endParaRPr lang="en-US"/>
           </a:p>
@@ -2507,7 +2506,7 @@
           <a:p>
             <a:fld id="{F1FA7AC5-6045-4418-8E60-F48788734473}" type="datetimeFigureOut">
               <a:rPr lang="en-US" smtClean="0"/>
-              <a:t>8/1/2015</a:t>
+              <a:t>8/4/2015</a:t>
             </a:fld>
             <a:endParaRPr lang="en-US"/>
           </a:p>
@@ -2821,7 +2820,7 @@
           <a:p>
             <a:fld id="{F1FA7AC5-6045-4418-8E60-F48788734473}" type="datetimeFigureOut">
               <a:rPr lang="en-US" smtClean="0"/>
-              <a:t>8/1/2015</a:t>
+              <a:t>8/4/2015</a:t>
             </a:fld>
             <a:endParaRPr lang="en-US"/>
           </a:p>
@@ -3208,7 +3207,7 @@
           <a:p>
             <a:fld id="{F1FA7AC5-6045-4418-8E60-F48788734473}" type="datetimeFigureOut">
               <a:rPr lang="en-US" smtClean="0"/>
-              <a:t>8/1/2015</a:t>
+              <a:t>8/4/2015</a:t>
             </a:fld>
             <a:endParaRPr lang="en-US"/>
           </a:p>
@@ -3378,7 +3377,7 @@
           <a:p>
             <a:fld id="{F1FA7AC5-6045-4418-8E60-F48788734473}" type="datetimeFigureOut">
               <a:rPr lang="en-US" smtClean="0"/>
-              <a:t>8/1/2015</a:t>
+              <a:t>8/4/2015</a:t>
             </a:fld>
             <a:endParaRPr lang="en-US"/>
           </a:p>
@@ -3558,7 +3557,7 @@
           <a:p>
             <a:fld id="{F1FA7AC5-6045-4418-8E60-F48788734473}" type="datetimeFigureOut">
               <a:rPr lang="en-US" smtClean="0"/>
-              <a:t>8/1/2015</a:t>
+              <a:t>8/4/2015</a:t>
             </a:fld>
             <a:endParaRPr lang="en-US"/>
           </a:p>
@@ -3734,7 +3733,7 @@
           <a:p>
             <a:fld id="{F1FA7AC5-6045-4418-8E60-F48788734473}" type="datetimeFigureOut">
               <a:rPr lang="en-US" smtClean="0"/>
-              <a:t>8/1/2015</a:t>
+              <a:t>8/4/2015</a:t>
             </a:fld>
             <a:endParaRPr lang="en-US"/>
           </a:p>
@@ -3981,7 +3980,7 @@
           <a:p>
             <a:fld id="{F1FA7AC5-6045-4418-8E60-F48788734473}" type="datetimeFigureOut">
               <a:rPr lang="en-US" smtClean="0"/>
-              <a:t>8/1/2015</a:t>
+              <a:t>8/4/2015</a:t>
             </a:fld>
             <a:endParaRPr lang="en-US"/>
           </a:p>
@@ -4213,7 +4212,7 @@
           <a:p>
             <a:fld id="{F1FA7AC5-6045-4418-8E60-F48788734473}" type="datetimeFigureOut">
               <a:rPr lang="en-US" smtClean="0"/>
-              <a:t>8/1/2015</a:t>
+              <a:t>8/4/2015</a:t>
             </a:fld>
             <a:endParaRPr lang="en-US"/>
           </a:p>
@@ -4587,7 +4586,7 @@
           <a:p>
             <a:fld id="{F1FA7AC5-6045-4418-8E60-F48788734473}" type="datetimeFigureOut">
               <a:rPr lang="en-US" smtClean="0"/>
-              <a:t>8/1/2015</a:t>
+              <a:t>8/4/2015</a:t>
             </a:fld>
             <a:endParaRPr lang="en-US"/>
           </a:p>
@@ -4710,7 +4709,7 @@
           <a:p>
             <a:fld id="{F1FA7AC5-6045-4418-8E60-F48788734473}" type="datetimeFigureOut">
               <a:rPr lang="en-US" smtClean="0"/>
-              <a:t>8/1/2015</a:t>
+              <a:t>8/4/2015</a:t>
             </a:fld>
             <a:endParaRPr lang="en-US"/>
           </a:p>
@@ -4805,7 +4804,7 @@
           <a:p>
             <a:fld id="{F1FA7AC5-6045-4418-8E60-F48788734473}" type="datetimeFigureOut">
               <a:rPr lang="en-US" smtClean="0"/>
-              <a:t>8/1/2015</a:t>
+              <a:t>8/4/2015</a:t>
             </a:fld>
             <a:endParaRPr lang="en-US"/>
           </a:p>
@@ -5060,7 +5059,7 @@
           <a:p>
             <a:fld id="{F1FA7AC5-6045-4418-8E60-F48788734473}" type="datetimeFigureOut">
               <a:rPr lang="en-US" smtClean="0"/>
-              <a:t>8/1/2015</a:t>
+              <a:t>8/4/2015</a:t>
             </a:fld>
             <a:endParaRPr lang="en-US"/>
           </a:p>
@@ -5323,7 +5322,7 @@
           <a:p>
             <a:fld id="{F1FA7AC5-6045-4418-8E60-F48788734473}" type="datetimeFigureOut">
               <a:rPr lang="en-US" smtClean="0"/>
-              <a:t>8/1/2015</a:t>
+              <a:t>8/4/2015</a:t>
             </a:fld>
             <a:endParaRPr lang="en-US"/>
           </a:p>
@@ -6068,7 +6067,7 @@
           <a:p>
             <a:fld id="{F1FA7AC5-6045-4418-8E60-F48788734473}" type="datetimeFigureOut">
               <a:rPr lang="en-US" smtClean="0"/>
-              <a:t>8/1/2015</a:t>
+              <a:t>8/4/2015</a:t>
             </a:fld>
             <a:endParaRPr lang="en-US"/>
           </a:p>
@@ -7412,17 +7411,7 @@
                 <a:latin typeface="Times New Roman" panose="02020603050405020304" pitchFamily="18" charset="0"/>
                 <a:cs typeface="Times New Roman" panose="02020603050405020304" pitchFamily="18" charset="0"/>
               </a:rPr>
-              <a:t>crowd </a:t>
-            </a:r>
-            <a:r>
-              <a:rPr lang="en-US" sz="2000" dirty="0" smtClean="0">
-                <a:solidFill>
-                  <a:schemeClr val="tx1"/>
-                </a:solidFill>
-                <a:latin typeface="Times New Roman" panose="02020603050405020304" pitchFamily="18" charset="0"/>
-                <a:cs typeface="Times New Roman" panose="02020603050405020304" pitchFamily="18" charset="0"/>
-              </a:rPr>
-              <a:t>simulator</a:t>
+              <a:t>crowd simulator</a:t>
             </a:r>
           </a:p>
           <a:p>
@@ -7567,6 +7556,27 @@
               <a:t>Structure</a:t>
             </a:r>
           </a:p>
+          <a:p>
+            <a:r>
+              <a:rPr lang="en-US" dirty="0" smtClean="0"/>
+              <a:t>Loggers</a:t>
+            </a:r>
+          </a:p>
+          <a:p>
+            <a:r>
+              <a:rPr lang="en-US" dirty="0" smtClean="0"/>
+              <a:t>Relevant functions(</a:t>
+            </a:r>
+            <a:r>
+              <a:rPr lang="en-US" dirty="0" err="1" smtClean="0"/>
+              <a:t>PickAnt,ResolveComabt</a:t>
+            </a:r>
+            <a:r>
+              <a:rPr lang="en-US" dirty="0" smtClean="0"/>
+              <a:t>, etc. . .) </a:t>
+            </a:r>
+            <a:endParaRPr lang="en-US" dirty="0" smtClean="0"/>
+          </a:p>
         </p:txBody>
       </p:sp>
     </p:spTree>
@@ -7703,97 +7713,6 @@
 </file>
 
 <file path=ppt/slides/slide7.xml><?xml version="1.0" encoding="utf-8"?>
-<p:sld xmlns:a="http://schemas.openxmlformats.org/drawingml/2006/main" xmlns:r="http://schemas.openxmlformats.org/officeDocument/2006/relationships" xmlns:p="http://schemas.openxmlformats.org/presentationml/2006/main">
-  <p:cSld>
-    <p:spTree>
-      <p:nvGrpSpPr>
-        <p:cNvPr id="1" name=""/>
-        <p:cNvGrpSpPr/>
-        <p:nvPr/>
-      </p:nvGrpSpPr>
-      <p:grpSpPr>
-        <a:xfrm>
-          <a:off x="0" y="0"/>
-          <a:ext cx="0" cy="0"/>
-          <a:chOff x="0" y="0"/>
-          <a:chExt cx="0" cy="0"/>
-        </a:xfrm>
-      </p:grpSpPr>
-      <p:sp>
-        <p:nvSpPr>
-          <p:cNvPr id="2" name="Title 1"/>
-          <p:cNvSpPr>
-            <a:spLocks noGrp="1"/>
-          </p:cNvSpPr>
-          <p:nvPr>
-            <p:ph type="title"/>
-          </p:nvPr>
-        </p:nvSpPr>
-        <p:spPr/>
-        <p:txBody>
-          <a:bodyPr/>
-          <a:lstStyle/>
-          <a:p>
-            <a:r>
-              <a:rPr lang="en-US" dirty="0" err="1" smtClean="0"/>
-              <a:t>ScreenShots</a:t>
-            </a:r>
-            <a:endParaRPr lang="en-US" dirty="0"/>
-          </a:p>
-        </p:txBody>
-      </p:sp>
-      <p:sp>
-        <p:nvSpPr>
-          <p:cNvPr id="3" name="Content Placeholder 2"/>
-          <p:cNvSpPr>
-            <a:spLocks noGrp="1"/>
-          </p:cNvSpPr>
-          <p:nvPr>
-            <p:ph sz="half" idx="1"/>
-          </p:nvPr>
-        </p:nvSpPr>
-        <p:spPr/>
-        <p:txBody>
-          <a:bodyPr/>
-          <a:lstStyle/>
-          <a:p>
-            <a:endParaRPr lang="en-US"/>
-          </a:p>
-        </p:txBody>
-      </p:sp>
-      <p:sp>
-        <p:nvSpPr>
-          <p:cNvPr id="4" name="Content Placeholder 3"/>
-          <p:cNvSpPr>
-            <a:spLocks noGrp="1"/>
-          </p:cNvSpPr>
-          <p:nvPr>
-            <p:ph sz="half" idx="2"/>
-          </p:nvPr>
-        </p:nvSpPr>
-        <p:spPr/>
-        <p:txBody>
-          <a:bodyPr/>
-          <a:lstStyle/>
-          <a:p>
-            <a:endParaRPr lang="en-US"/>
-          </a:p>
-        </p:txBody>
-      </p:sp>
-    </p:spTree>
-    <p:extLst>
-      <p:ext uri="{BB962C8B-B14F-4D97-AF65-F5344CB8AC3E}">
-        <p14:creationId xmlns:p14="http://schemas.microsoft.com/office/powerpoint/2010/main" val="4268303116"/>
-      </p:ext>
-    </p:extLst>
-  </p:cSld>
-  <p:clrMapOvr>
-    <a:masterClrMapping/>
-  </p:clrMapOvr>
-</p:sld>
-</file>
-
-<file path=ppt/slides/slide8.xml><?xml version="1.0" encoding="utf-8"?>
 <p:sld xmlns:a="http://schemas.openxmlformats.org/drawingml/2006/main" xmlns:r="http://schemas.openxmlformats.org/officeDocument/2006/relationships" xmlns:p="http://schemas.openxmlformats.org/presentationml/2006/main">
   <p:cSld>
     <p:spTree>
